--- a/Semana5/Procedimientos.pptx
+++ b/Semana5/Procedimientos.pptx
@@ -292,7 +292,7 @@
           <a:p>
             <a:fld id="{9A098741-818E-4616-9716-74A38FC04737}" type="datetimeFigureOut">
               <a:rPr lang="es-MX" smtClean="0"/>
-              <a:t>26/04/2012</a:t>
+              <a:t>21/02/2013</a:t>
             </a:fld>
             <a:endParaRPr lang="es-MX"/>
           </a:p>
@@ -457,7 +457,7 @@
           <a:p>
             <a:fld id="{9A098741-818E-4616-9716-74A38FC04737}" type="datetimeFigureOut">
               <a:rPr lang="es-MX" smtClean="0"/>
-              <a:t>27/04/2012</a:t>
+              <a:t>21/02/2013</a:t>
             </a:fld>
             <a:endParaRPr lang="es-MX"/>
           </a:p>
@@ -632,7 +632,7 @@
           <a:p>
             <a:fld id="{9A098741-818E-4616-9716-74A38FC04737}" type="datetimeFigureOut">
               <a:rPr lang="es-MX" smtClean="0"/>
-              <a:t>27/04/2012</a:t>
+              <a:t>21/02/2013</a:t>
             </a:fld>
             <a:endParaRPr lang="es-MX"/>
           </a:p>
@@ -797,7 +797,7 @@
           <a:p>
             <a:fld id="{9A098741-818E-4616-9716-74A38FC04737}" type="datetimeFigureOut">
               <a:rPr lang="es-MX" smtClean="0"/>
-              <a:t>26/04/2012</a:t>
+              <a:t>21/02/2013</a:t>
             </a:fld>
             <a:endParaRPr lang="es-MX"/>
           </a:p>
@@ -1038,7 +1038,7 @@
           <a:p>
             <a:fld id="{9A098741-818E-4616-9716-74A38FC04737}" type="datetimeFigureOut">
               <a:rPr lang="es-MX" smtClean="0"/>
-              <a:t>27/04/2012</a:t>
+              <a:t>21/02/2013</a:t>
             </a:fld>
             <a:endParaRPr lang="es-MX"/>
           </a:p>
@@ -1321,7 +1321,7 @@
           <a:p>
             <a:fld id="{9A098741-818E-4616-9716-74A38FC04737}" type="datetimeFigureOut">
               <a:rPr lang="es-MX" smtClean="0"/>
-              <a:t>27/04/2012</a:t>
+              <a:t>21/02/2013</a:t>
             </a:fld>
             <a:endParaRPr lang="es-MX"/>
           </a:p>
@@ -1738,7 +1738,7 @@
           <a:p>
             <a:fld id="{9A098741-818E-4616-9716-74A38FC04737}" type="datetimeFigureOut">
               <a:rPr lang="es-MX" smtClean="0"/>
-              <a:t>27/04/2012</a:t>
+              <a:t>21/02/2013</a:t>
             </a:fld>
             <a:endParaRPr lang="es-MX"/>
           </a:p>
@@ -1851,7 +1851,7 @@
           <a:p>
             <a:fld id="{9A098741-818E-4616-9716-74A38FC04737}" type="datetimeFigureOut">
               <a:rPr lang="es-MX" smtClean="0"/>
-              <a:t>27/04/2012</a:t>
+              <a:t>21/02/2013</a:t>
             </a:fld>
             <a:endParaRPr lang="es-MX"/>
           </a:p>
@@ -1941,7 +1941,7 @@
           <a:p>
             <a:fld id="{9A098741-818E-4616-9716-74A38FC04737}" type="datetimeFigureOut">
               <a:rPr lang="es-MX" smtClean="0"/>
-              <a:t>27/04/2012</a:t>
+              <a:t>21/02/2013</a:t>
             </a:fld>
             <a:endParaRPr lang="es-MX"/>
           </a:p>
@@ -2213,7 +2213,7 @@
           <a:p>
             <a:fld id="{9A098741-818E-4616-9716-74A38FC04737}" type="datetimeFigureOut">
               <a:rPr lang="es-MX" smtClean="0"/>
-              <a:t>27/04/2012</a:t>
+              <a:t>21/02/2013</a:t>
             </a:fld>
             <a:endParaRPr lang="es-MX"/>
           </a:p>
@@ -2461,7 +2461,7 @@
           <a:p>
             <a:fld id="{9A098741-818E-4616-9716-74A38FC04737}" type="datetimeFigureOut">
               <a:rPr lang="es-MX" smtClean="0"/>
-              <a:t>27/04/2012</a:t>
+              <a:t>21/02/2013</a:t>
             </a:fld>
             <a:endParaRPr lang="es-MX"/>
           </a:p>
@@ -2669,7 +2669,7 @@
           <a:p>
             <a:fld id="{9A098741-818E-4616-9716-74A38FC04737}" type="datetimeFigureOut">
               <a:rPr lang="es-MX" smtClean="0"/>
-              <a:t>26/04/2012</a:t>
+              <a:t>21/02/2013</a:t>
             </a:fld>
             <a:endParaRPr lang="es-MX"/>
           </a:p>
@@ -3078,8 +3078,12 @@
           <a:lstStyle/>
           <a:p>
             <a:r>
-              <a:rPr lang="es-MX" dirty="0" smtClean="0"/>
-              <a:t>Abril 2012</a:t>
+              <a:rPr lang="es-MX" smtClean="0"/>
+              <a:t>Abril </a:t>
+            </a:r>
+            <a:r>
+              <a:rPr lang="es-MX" smtClean="0"/>
+              <a:t>2013</a:t>
             </a:r>
             <a:endParaRPr lang="es-MX" dirty="0"/>
           </a:p>
